--- a/jenkins_ci.pptx
+++ b/jenkins_ci.pptx
@@ -7273,14 +7273,10 @@
             </a:r>
             <a:r>
               <a:rPr lang="en-US" sz="1200" dirty="0"/>
-              <a:t>-</a:t>
-            </a:r>
-            <a:r>
-              <a:rPr lang="en-US" sz="1200"/>
-              <a:t>name </a:t>
-            </a:r>
-            <a:r>
-              <a:rPr lang="en-US" sz="1200" smtClean="0"/>
+              <a:t>-name </a:t>
+            </a:r>
+            <a:r>
+              <a:rPr lang="en-US" sz="1200" dirty="0" smtClean="0"/>
               <a:t>*user*</a:t>
             </a:r>
             <a:endParaRPr lang="en-US" sz="1200" dirty="0"/>
